--- a/GuardianOfTheAir/app-structure/Goa.pptx
+++ b/GuardianOfTheAir/app-structure/Goa.pptx
@@ -249,7 +249,7 @@
           <a:p>
             <a:fld id="{4CEA4C28-F63D-466B-AF5A-E61DD816CDDD}" type="datetimeFigureOut">
               <a:rPr lang="en-US" smtClean="0"/>
-              <a:t>4/21/2016</a:t>
+              <a:t>4/22/2016</a:t>
             </a:fld>
             <a:endParaRPr lang="en-US"/>
           </a:p>
@@ -419,7 +419,7 @@
           <a:p>
             <a:fld id="{4CEA4C28-F63D-466B-AF5A-E61DD816CDDD}" type="datetimeFigureOut">
               <a:rPr lang="en-US" smtClean="0"/>
-              <a:t>4/21/2016</a:t>
+              <a:t>4/22/2016</a:t>
             </a:fld>
             <a:endParaRPr lang="en-US"/>
           </a:p>
@@ -599,7 +599,7 @@
           <a:p>
             <a:fld id="{4CEA4C28-F63D-466B-AF5A-E61DD816CDDD}" type="datetimeFigureOut">
               <a:rPr lang="en-US" smtClean="0"/>
-              <a:t>4/21/2016</a:t>
+              <a:t>4/22/2016</a:t>
             </a:fld>
             <a:endParaRPr lang="en-US"/>
           </a:p>
@@ -769,7 +769,7 @@
           <a:p>
             <a:fld id="{4CEA4C28-F63D-466B-AF5A-E61DD816CDDD}" type="datetimeFigureOut">
               <a:rPr lang="en-US" smtClean="0"/>
-              <a:t>4/21/2016</a:t>
+              <a:t>4/22/2016</a:t>
             </a:fld>
             <a:endParaRPr lang="en-US"/>
           </a:p>
@@ -1015,7 +1015,7 @@
           <a:p>
             <a:fld id="{4CEA4C28-F63D-466B-AF5A-E61DD816CDDD}" type="datetimeFigureOut">
               <a:rPr lang="en-US" smtClean="0"/>
-              <a:t>4/21/2016</a:t>
+              <a:t>4/22/2016</a:t>
             </a:fld>
             <a:endParaRPr lang="en-US"/>
           </a:p>
@@ -1247,7 +1247,7 @@
           <a:p>
             <a:fld id="{4CEA4C28-F63D-466B-AF5A-E61DD816CDDD}" type="datetimeFigureOut">
               <a:rPr lang="en-US" smtClean="0"/>
-              <a:t>4/21/2016</a:t>
+              <a:t>4/22/2016</a:t>
             </a:fld>
             <a:endParaRPr lang="en-US"/>
           </a:p>
@@ -1614,7 +1614,7 @@
           <a:p>
             <a:fld id="{4CEA4C28-F63D-466B-AF5A-E61DD816CDDD}" type="datetimeFigureOut">
               <a:rPr lang="en-US" smtClean="0"/>
-              <a:t>4/21/2016</a:t>
+              <a:t>4/22/2016</a:t>
             </a:fld>
             <a:endParaRPr lang="en-US"/>
           </a:p>
@@ -1732,7 +1732,7 @@
           <a:p>
             <a:fld id="{4CEA4C28-F63D-466B-AF5A-E61DD816CDDD}" type="datetimeFigureOut">
               <a:rPr lang="en-US" smtClean="0"/>
-              <a:t>4/21/2016</a:t>
+              <a:t>4/22/2016</a:t>
             </a:fld>
             <a:endParaRPr lang="en-US"/>
           </a:p>
@@ -1827,7 +1827,7 @@
           <a:p>
             <a:fld id="{4CEA4C28-F63D-466B-AF5A-E61DD816CDDD}" type="datetimeFigureOut">
               <a:rPr lang="en-US" smtClean="0"/>
-              <a:t>4/21/2016</a:t>
+              <a:t>4/22/2016</a:t>
             </a:fld>
             <a:endParaRPr lang="en-US"/>
           </a:p>
@@ -2104,7 +2104,7 @@
           <a:p>
             <a:fld id="{4CEA4C28-F63D-466B-AF5A-E61DD816CDDD}" type="datetimeFigureOut">
               <a:rPr lang="en-US" smtClean="0"/>
-              <a:t>4/21/2016</a:t>
+              <a:t>4/22/2016</a:t>
             </a:fld>
             <a:endParaRPr lang="en-US"/>
           </a:p>
@@ -2357,7 +2357,7 @@
           <a:p>
             <a:fld id="{4CEA4C28-F63D-466B-AF5A-E61DD816CDDD}" type="datetimeFigureOut">
               <a:rPr lang="en-US" smtClean="0"/>
-              <a:t>4/21/2016</a:t>
+              <a:t>4/22/2016</a:t>
             </a:fld>
             <a:endParaRPr lang="en-US"/>
           </a:p>
@@ -2570,7 +2570,7 @@
           <a:p>
             <a:fld id="{4CEA4C28-F63D-466B-AF5A-E61DD816CDDD}" type="datetimeFigureOut">
               <a:rPr lang="en-US" smtClean="0"/>
-              <a:t>4/21/2016</a:t>
+              <a:t>4/22/2016</a:t>
             </a:fld>
             <a:endParaRPr lang="en-US"/>
           </a:p>
@@ -11012,20 +11012,7 @@
                   </a:outerShdw>
                 </a:effectLst>
               </a:rPr>
-              <a:t>3</a:t>
-            </a:r>
-            <a:r>
-              <a:rPr lang="en-US" sz="1400" dirty="0" smtClean="0">
-                <a:ln w="0"/>
-                <a:effectLst>
-                  <a:outerShdw blurRad="38100" dist="19050" dir="2700000" algn="tl" rotWithShape="0">
-                    <a:schemeClr val="dk1">
-                      <a:alpha val="40000"/>
-                    </a:schemeClr>
-                  </a:outerShdw>
-                </a:effectLst>
-              </a:rPr>
-              <a:t>. Industries and factories?</a:t>
+              <a:t>3. Industries and factories?</a:t>
             </a:r>
             <a:endParaRPr lang="en-US" sz="1400" b="0" cap="none" spc="0" dirty="0">
               <a:ln w="0"/>
@@ -11258,33 +11245,7 @@
                   </a:outerShdw>
                 </a:effectLst>
               </a:rPr>
-              <a:t>. </a:t>
-            </a:r>
-            <a:r>
-              <a:rPr lang="en-US" sz="1400" dirty="0" smtClean="0">
-                <a:ln w="0"/>
-                <a:effectLst>
-                  <a:outerShdw blurRad="38100" dist="19050" dir="2700000" algn="tl" rotWithShape="0">
-                    <a:schemeClr val="dk1">
-                      <a:alpha val="40000"/>
-                    </a:schemeClr>
-                  </a:outerShdw>
-                </a:effectLst>
-              </a:rPr>
-              <a:t>Air pollution you think in your area</a:t>
-            </a:r>
-            <a:r>
-              <a:rPr lang="en-US" sz="1400" dirty="0" smtClean="0">
-                <a:ln w="0"/>
-                <a:effectLst>
-                  <a:outerShdw blurRad="38100" dist="19050" dir="2700000" algn="tl" rotWithShape="0">
-                    <a:schemeClr val="dk1">
-                      <a:alpha val="40000"/>
-                    </a:schemeClr>
-                  </a:outerShdw>
-                </a:effectLst>
-              </a:rPr>
-              <a:t>?</a:t>
+              <a:t>. Air pollution you think in your area?</a:t>
             </a:r>
             <a:endParaRPr lang="en-US" sz="1400" b="0" cap="none" spc="0" dirty="0">
               <a:ln w="0"/>
@@ -11944,33 +11905,7 @@
                   </a:outerShdw>
                 </a:effectLst>
               </a:rPr>
-              <a:t>. </a:t>
-            </a:r>
-            <a:r>
-              <a:rPr lang="en-US" sz="1400" dirty="0" smtClean="0">
-                <a:ln w="0"/>
-                <a:effectLst>
-                  <a:outerShdw blurRad="38100" dist="19050" dir="2700000" algn="tl" rotWithShape="0">
-                    <a:schemeClr val="dk1">
-                      <a:alpha val="40000"/>
-                    </a:schemeClr>
-                  </a:outerShdw>
-                </a:effectLst>
-              </a:rPr>
-              <a:t>Garbage system of your area</a:t>
-            </a:r>
-            <a:r>
-              <a:rPr lang="en-US" sz="1400" dirty="0" smtClean="0">
-                <a:ln w="0"/>
-                <a:effectLst>
-                  <a:outerShdw blurRad="38100" dist="19050" dir="2700000" algn="tl" rotWithShape="0">
-                    <a:schemeClr val="dk1">
-                      <a:alpha val="40000"/>
-                    </a:schemeClr>
-                  </a:outerShdw>
-                </a:effectLst>
-              </a:rPr>
-              <a:t>?</a:t>
+              <a:t>. Garbage system of your area?</a:t>
             </a:r>
             <a:endParaRPr lang="en-US" sz="1400" b="0" cap="none" spc="0" dirty="0">
               <a:ln w="0"/>
@@ -12726,7 +12661,7 @@
         </p:nvSpPr>
         <p:spPr>
           <a:xfrm>
-            <a:off x="682580" y="2344345"/>
+            <a:off x="1086236" y="2344345"/>
             <a:ext cx="746973" cy="566274"/>
           </a:xfrm>
           <a:prstGeom prst="rect">
@@ -12754,7 +12689,11 @@
             <a:pPr algn="ctr"/>
             <a:r>
               <a:rPr lang="en-US" sz="1100" dirty="0" smtClean="0"/>
-              <a:t>Not dusty at all</a:t>
+              <a:t>Not </a:t>
+            </a:r>
+            <a:r>
+              <a:rPr lang="en-US" sz="1100" dirty="0" smtClean="0"/>
+              <a:t>much</a:t>
             </a:r>
             <a:endParaRPr lang="en-US" sz="1100" dirty="0"/>
           </a:p>
@@ -12768,7 +12707,7 @@
         </p:nvSpPr>
         <p:spPr>
           <a:xfrm>
-            <a:off x="1597138" y="2341984"/>
+            <a:off x="2000794" y="2341984"/>
             <a:ext cx="746973" cy="566274"/>
           </a:xfrm>
           <a:prstGeom prst="rect">
@@ -12796,7 +12735,7 @@
             <a:pPr algn="ctr"/>
             <a:r>
               <a:rPr lang="en-US" sz="1200" dirty="0" smtClean="0"/>
-              <a:t>A bit dusty</a:t>
+              <a:t>Medium</a:t>
             </a:r>
             <a:endParaRPr lang="en-US" sz="1200" dirty="0"/>
           </a:p>
@@ -12810,7 +12749,7 @@
         </p:nvSpPr>
         <p:spPr>
           <a:xfrm>
-            <a:off x="2528657" y="2341984"/>
+            <a:off x="2932313" y="2341984"/>
             <a:ext cx="845922" cy="566274"/>
           </a:xfrm>
           <a:prstGeom prst="rect">
@@ -12838,7 +12777,7 @@
             <a:pPr algn="ctr"/>
             <a:r>
               <a:rPr lang="en-US" sz="1200" dirty="0" smtClean="0"/>
-              <a:t>Moderate</a:t>
+              <a:t>Very Much</a:t>
             </a:r>
             <a:endParaRPr lang="en-US" sz="1100" dirty="0"/>
           </a:p>
@@ -12846,13 +12785,78 @@
       </p:sp>
       <p:sp>
         <p:nvSpPr>
-          <p:cNvPr id="13" name="Rectangle 12"/>
-          <p:cNvSpPr/>
-          <p:nvPr/>
-        </p:nvSpPr>
-        <p:spPr>
-          <a:xfrm>
-            <a:off x="3485934" y="2355884"/>
+          <p:cNvPr id="14" name="Rectangle 13"/>
+          <p:cNvSpPr/>
+          <p:nvPr/>
+        </p:nvSpPr>
+        <p:spPr>
+          <a:xfrm>
+            <a:off x="691836" y="3020918"/>
+            <a:ext cx="3375797" cy="307777"/>
+          </a:xfrm>
+          <a:prstGeom prst="rect">
+            <a:avLst/>
+          </a:prstGeom>
+          <a:noFill/>
+        </p:spPr>
+        <p:txBody>
+          <a:bodyPr wrap="none" lIns="91440" tIns="45720" rIns="91440" bIns="45720">
+            <a:spAutoFit/>
+          </a:bodyPr>
+          <a:lstStyle/>
+          <a:p>
+            <a:pPr algn="ctr"/>
+            <a:r>
+              <a:rPr lang="en-US" sz="1400" dirty="0">
+                <a:ln w="0"/>
+                <a:effectLst>
+                  <a:outerShdw blurRad="38100" dist="19050" dir="2700000" algn="tl" rotWithShape="0">
+                    <a:schemeClr val="dk1">
+                      <a:alpha val="40000"/>
+                    </a:schemeClr>
+                  </a:outerShdw>
+                </a:effectLst>
+              </a:rPr>
+              <a:t>2</a:t>
+            </a:r>
+            <a:r>
+              <a:rPr lang="en-US" sz="1400" dirty="0" smtClean="0">
+                <a:ln w="0"/>
+                <a:effectLst>
+                  <a:outerShdw blurRad="38100" dist="19050" dir="2700000" algn="tl" rotWithShape="0">
+                    <a:schemeClr val="dk1">
+                      <a:alpha val="40000"/>
+                    </a:schemeClr>
+                  </a:outerShdw>
+                </a:effectLst>
+              </a:rPr>
+              <a:t>. Do you see various allergies in your area?</a:t>
+            </a:r>
+            <a:endParaRPr lang="en-US" sz="1400" b="0" cap="none" spc="0" dirty="0">
+              <a:ln w="0"/>
+              <a:solidFill>
+                <a:schemeClr val="tx1"/>
+              </a:solidFill>
+              <a:effectLst>
+                <a:outerShdw blurRad="38100" dist="19050" dir="2700000" algn="tl" rotWithShape="0">
+                  <a:schemeClr val="dk1">
+                    <a:alpha val="40000"/>
+                  </a:schemeClr>
+                </a:outerShdw>
+              </a:effectLst>
+            </a:endParaRPr>
+          </a:p>
+        </p:txBody>
+      </p:sp>
+      <p:sp>
+        <p:nvSpPr>
+          <p:cNvPr id="15" name="Rectangle 14"/>
+          <p:cNvSpPr/>
+          <p:nvPr/>
+        </p:nvSpPr>
+        <p:spPr>
+          <a:xfrm>
+            <a:off x="694099" y="3402120"/>
             <a:ext cx="746973" cy="566274"/>
           </a:xfrm>
           <a:prstGeom prst="rect">
@@ -12879,88 +12883,23 @@
           <a:p>
             <a:pPr algn="ctr"/>
             <a:r>
-              <a:rPr lang="en-US" sz="1200" dirty="0" smtClean="0"/>
-              <a:t>Very Dusty</a:t>
-            </a:r>
-            <a:endParaRPr lang="en-US" sz="1200" dirty="0"/>
-          </a:p>
-        </p:txBody>
-      </p:sp>
-      <p:sp>
-        <p:nvSpPr>
-          <p:cNvPr id="14" name="Rectangle 13"/>
-          <p:cNvSpPr/>
-          <p:nvPr/>
-        </p:nvSpPr>
-        <p:spPr>
-          <a:xfrm>
-            <a:off x="691836" y="3020918"/>
-            <a:ext cx="3375797" cy="307777"/>
-          </a:xfrm>
-          <a:prstGeom prst="rect">
-            <a:avLst/>
-          </a:prstGeom>
-          <a:noFill/>
-        </p:spPr>
-        <p:txBody>
-          <a:bodyPr wrap="none" lIns="91440" tIns="45720" rIns="91440" bIns="45720">
-            <a:spAutoFit/>
-          </a:bodyPr>
-          <a:lstStyle/>
-          <a:p>
-            <a:pPr algn="ctr"/>
-            <a:r>
-              <a:rPr lang="en-US" sz="1400" dirty="0">
-                <a:ln w="0"/>
-                <a:effectLst>
-                  <a:outerShdw blurRad="38100" dist="19050" dir="2700000" algn="tl" rotWithShape="0">
-                    <a:schemeClr val="dk1">
-                      <a:alpha val="40000"/>
-                    </a:schemeClr>
-                  </a:outerShdw>
-                </a:effectLst>
-              </a:rPr>
-              <a:t>2</a:t>
-            </a:r>
-            <a:r>
-              <a:rPr lang="en-US" sz="1400" dirty="0" smtClean="0">
-                <a:ln w="0"/>
-                <a:effectLst>
-                  <a:outerShdw blurRad="38100" dist="19050" dir="2700000" algn="tl" rotWithShape="0">
-                    <a:schemeClr val="dk1">
-                      <a:alpha val="40000"/>
-                    </a:schemeClr>
-                  </a:outerShdw>
-                </a:effectLst>
-              </a:rPr>
-              <a:t>. Do you see various allergies in your area?</a:t>
-            </a:r>
-            <a:endParaRPr lang="en-US" sz="1400" b="0" cap="none" spc="0" dirty="0">
-              <a:ln w="0"/>
-              <a:solidFill>
-                <a:schemeClr val="tx1"/>
-              </a:solidFill>
-              <a:effectLst>
-                <a:outerShdw blurRad="38100" dist="19050" dir="2700000" algn="tl" rotWithShape="0">
-                  <a:schemeClr val="dk1">
-                    <a:alpha val="40000"/>
-                  </a:schemeClr>
-                </a:outerShdw>
-              </a:effectLst>
-            </a:endParaRPr>
-          </a:p>
-        </p:txBody>
-      </p:sp>
-      <p:sp>
-        <p:nvSpPr>
-          <p:cNvPr id="15" name="Rectangle 14"/>
-          <p:cNvSpPr/>
-          <p:nvPr/>
-        </p:nvSpPr>
-        <p:spPr>
-          <a:xfrm>
-            <a:off x="669385" y="3402120"/>
-            <a:ext cx="746973" cy="566274"/>
+              <a:rPr lang="en-US" sz="1100" dirty="0" smtClean="0"/>
+              <a:t>No</a:t>
+            </a:r>
+            <a:endParaRPr lang="en-US" sz="1100" dirty="0"/>
+          </a:p>
+        </p:txBody>
+      </p:sp>
+      <p:sp>
+        <p:nvSpPr>
+          <p:cNvPr id="16" name="Rectangle 15"/>
+          <p:cNvSpPr/>
+          <p:nvPr/>
+        </p:nvSpPr>
+        <p:spPr>
+          <a:xfrm>
+            <a:off x="1608657" y="3399759"/>
+            <a:ext cx="820164" cy="566274"/>
           </a:xfrm>
           <a:prstGeom prst="rect">
             <a:avLst/>
@@ -12986,23 +12925,23 @@
           <a:p>
             <a:pPr algn="ctr"/>
             <a:r>
-              <a:rPr lang="en-US" sz="1100" dirty="0" smtClean="0"/>
+              <a:rPr lang="en-US" sz="1200" dirty="0" smtClean="0"/>
               <a:t>Low</a:t>
             </a:r>
-            <a:endParaRPr lang="en-US" sz="1100" dirty="0"/>
-          </a:p>
-        </p:txBody>
-      </p:sp>
-      <p:sp>
-        <p:nvSpPr>
-          <p:cNvPr id="16" name="Rectangle 15"/>
-          <p:cNvSpPr/>
-          <p:nvPr/>
-        </p:nvSpPr>
-        <p:spPr>
-          <a:xfrm>
-            <a:off x="1583943" y="3399759"/>
-            <a:ext cx="820164" cy="566274"/>
+            <a:endParaRPr lang="en-US" sz="1200" dirty="0"/>
+          </a:p>
+        </p:txBody>
+      </p:sp>
+      <p:sp>
+        <p:nvSpPr>
+          <p:cNvPr id="17" name="Rectangle 16"/>
+          <p:cNvSpPr/>
+          <p:nvPr/>
+        </p:nvSpPr>
+        <p:spPr>
+          <a:xfrm>
+            <a:off x="2540176" y="3399759"/>
+            <a:ext cx="845922" cy="566274"/>
           </a:xfrm>
           <a:prstGeom prst="rect">
             <a:avLst/>
@@ -13029,22 +12968,74 @@
             <a:pPr algn="ctr"/>
             <a:r>
               <a:rPr lang="en-US" sz="1200" dirty="0" smtClean="0"/>
-              <a:t>Moderate</a:t>
-            </a:r>
-            <a:endParaRPr lang="en-US" sz="1200" dirty="0"/>
-          </a:p>
-        </p:txBody>
-      </p:sp>
-      <p:sp>
-        <p:nvSpPr>
-          <p:cNvPr id="17" name="Rectangle 16"/>
-          <p:cNvSpPr/>
-          <p:nvPr/>
-        </p:nvSpPr>
-        <p:spPr>
-          <a:xfrm>
-            <a:off x="2515462" y="3399759"/>
-            <a:ext cx="845922" cy="566274"/>
+              <a:t>Medium</a:t>
+            </a:r>
+            <a:endParaRPr lang="en-US" sz="1100" dirty="0"/>
+          </a:p>
+        </p:txBody>
+      </p:sp>
+      <p:sp>
+        <p:nvSpPr>
+          <p:cNvPr id="19" name="Rectangle 18"/>
+          <p:cNvSpPr/>
+          <p:nvPr/>
+        </p:nvSpPr>
+        <p:spPr>
+          <a:xfrm>
+            <a:off x="684328" y="4086460"/>
+            <a:ext cx="3056606" cy="307777"/>
+          </a:xfrm>
+          <a:prstGeom prst="rect">
+            <a:avLst/>
+          </a:prstGeom>
+          <a:noFill/>
+        </p:spPr>
+        <p:txBody>
+          <a:bodyPr wrap="none" lIns="91440" tIns="45720" rIns="91440" bIns="45720">
+            <a:spAutoFit/>
+          </a:bodyPr>
+          <a:lstStyle/>
+          <a:p>
+            <a:pPr algn="ctr"/>
+            <a:r>
+              <a:rPr lang="en-US" sz="1400" dirty="0" smtClean="0">
+                <a:ln w="0"/>
+                <a:effectLst>
+                  <a:outerShdw blurRad="38100" dist="19050" dir="2700000" algn="tl" rotWithShape="0">
+                    <a:schemeClr val="dk1">
+                      <a:alpha val="40000"/>
+                    </a:schemeClr>
+                  </a:outerShdw>
+                </a:effectLst>
+              </a:rPr>
+              <a:t>3. Does your air cause itching problem?</a:t>
+            </a:r>
+            <a:endParaRPr lang="en-US" sz="1400" b="0" cap="none" spc="0" dirty="0">
+              <a:ln w="0"/>
+              <a:solidFill>
+                <a:schemeClr val="tx1"/>
+              </a:solidFill>
+              <a:effectLst>
+                <a:outerShdw blurRad="38100" dist="19050" dir="2700000" algn="tl" rotWithShape="0">
+                  <a:schemeClr val="dk1">
+                    <a:alpha val="40000"/>
+                  </a:schemeClr>
+                </a:outerShdw>
+              </a:effectLst>
+            </a:endParaRPr>
+          </a:p>
+        </p:txBody>
+      </p:sp>
+      <p:sp>
+        <p:nvSpPr>
+          <p:cNvPr id="20" name="Rectangle 19"/>
+          <p:cNvSpPr/>
+          <p:nvPr/>
+        </p:nvSpPr>
+        <p:spPr>
+          <a:xfrm>
+            <a:off x="682580" y="4445608"/>
+            <a:ext cx="746973" cy="566274"/>
           </a:xfrm>
           <a:prstGeom prst="rect">
             <a:avLst/>
@@ -13070,8 +13061,8 @@
           <a:p>
             <a:pPr algn="ctr"/>
             <a:r>
-              <a:rPr lang="en-US" sz="1200" dirty="0" smtClean="0"/>
-              <a:t>High</a:t>
+              <a:rPr lang="en-US" sz="1100" dirty="0" smtClean="0"/>
+              <a:t>Very Little</a:t>
             </a:r>
             <a:endParaRPr lang="en-US" sz="1100" dirty="0"/>
           </a:p>
@@ -13079,14 +13070,14 @@
       </p:sp>
       <p:sp>
         <p:nvSpPr>
-          <p:cNvPr id="18" name="Rectangle 17"/>
-          <p:cNvSpPr/>
-          <p:nvPr/>
-        </p:nvSpPr>
-        <p:spPr>
-          <a:xfrm>
-            <a:off x="3472739" y="3413659"/>
-            <a:ext cx="746973" cy="566274"/>
+          <p:cNvPr id="21" name="Rectangle 20"/>
+          <p:cNvSpPr/>
+          <p:nvPr/>
+        </p:nvSpPr>
+        <p:spPr>
+          <a:xfrm>
+            <a:off x="1597138" y="4443247"/>
+            <a:ext cx="820164" cy="566274"/>
           </a:xfrm>
           <a:prstGeom prst="rect">
             <a:avLst/>
@@ -13113,7 +13104,7 @@
             <a:pPr algn="ctr"/>
             <a:r>
               <a:rPr lang="en-US" sz="1200" dirty="0" smtClean="0"/>
-              <a:t>Extreme</a:t>
+              <a:t>Little</a:t>
             </a:r>
             <a:endParaRPr lang="en-US" sz="1200" dirty="0"/>
           </a:p>
@@ -13121,92 +13112,14 @@
       </p:sp>
       <p:sp>
         <p:nvSpPr>
-          <p:cNvPr id="19" name="Rectangle 18"/>
-          <p:cNvSpPr/>
-          <p:nvPr/>
-        </p:nvSpPr>
-        <p:spPr>
-          <a:xfrm>
-            <a:off x="684328" y="4086460"/>
-            <a:ext cx="3056606" cy="307777"/>
-          </a:xfrm>
-          <a:prstGeom prst="rect">
-            <a:avLst/>
-          </a:prstGeom>
-          <a:noFill/>
-        </p:spPr>
-        <p:txBody>
-          <a:bodyPr wrap="none" lIns="91440" tIns="45720" rIns="91440" bIns="45720">
-            <a:spAutoFit/>
-          </a:bodyPr>
-          <a:lstStyle/>
-          <a:p>
-            <a:pPr algn="ctr"/>
-            <a:r>
-              <a:rPr lang="en-US" sz="1400" dirty="0" smtClean="0">
-                <a:ln w="0"/>
-                <a:effectLst>
-                  <a:outerShdw blurRad="38100" dist="19050" dir="2700000" algn="tl" rotWithShape="0">
-                    <a:schemeClr val="dk1">
-                      <a:alpha val="40000"/>
-                    </a:schemeClr>
-                  </a:outerShdw>
-                </a:effectLst>
-              </a:rPr>
-              <a:t>3</a:t>
-            </a:r>
-            <a:r>
-              <a:rPr lang="en-US" sz="1400" dirty="0" smtClean="0">
-                <a:ln w="0"/>
-                <a:effectLst>
-                  <a:outerShdw blurRad="38100" dist="19050" dir="2700000" algn="tl" rotWithShape="0">
-                    <a:schemeClr val="dk1">
-                      <a:alpha val="40000"/>
-                    </a:schemeClr>
-                  </a:outerShdw>
-                </a:effectLst>
-              </a:rPr>
-              <a:t>. </a:t>
-            </a:r>
-            <a:r>
-              <a:rPr lang="en-US" sz="1400" dirty="0" smtClean="0">
-                <a:ln w="0"/>
-                <a:effectLst>
-                  <a:outerShdw blurRad="38100" dist="19050" dir="2700000" algn="tl" rotWithShape="0">
-                    <a:schemeClr val="dk1">
-                      <a:alpha val="40000"/>
-                    </a:schemeClr>
-                  </a:outerShdw>
-                </a:effectLst>
-              </a:rPr>
-              <a:t>Does your air cause itching problem?</a:t>
-            </a:r>
-            <a:endParaRPr lang="en-US" sz="1400" b="0" cap="none" spc="0" dirty="0">
-              <a:ln w="0"/>
-              <a:solidFill>
-                <a:schemeClr val="tx1"/>
-              </a:solidFill>
-              <a:effectLst>
-                <a:outerShdw blurRad="38100" dist="19050" dir="2700000" algn="tl" rotWithShape="0">
-                  <a:schemeClr val="dk1">
-                    <a:alpha val="40000"/>
-                  </a:schemeClr>
-                </a:outerShdw>
-              </a:effectLst>
-            </a:endParaRPr>
-          </a:p>
-        </p:txBody>
-      </p:sp>
-      <p:sp>
-        <p:nvSpPr>
-          <p:cNvPr id="20" name="Rectangle 19"/>
-          <p:cNvSpPr/>
-          <p:nvPr/>
-        </p:nvSpPr>
-        <p:spPr>
-          <a:xfrm>
-            <a:off x="682580" y="4445608"/>
-            <a:ext cx="746973" cy="566274"/>
+          <p:cNvPr id="22" name="Rectangle 21"/>
+          <p:cNvSpPr/>
+          <p:nvPr/>
+        </p:nvSpPr>
+        <p:spPr>
+          <a:xfrm>
+            <a:off x="2528657" y="4443247"/>
+            <a:ext cx="845922" cy="566274"/>
           </a:xfrm>
           <a:prstGeom prst="rect">
             <a:avLst/>
@@ -13232,8 +13145,8 @@
           <a:p>
             <a:pPr algn="ctr"/>
             <a:r>
-              <a:rPr lang="en-US" sz="1100" dirty="0" smtClean="0"/>
-              <a:t>Very Little</a:t>
+              <a:rPr lang="en-US" sz="1200" dirty="0" smtClean="0"/>
+              <a:t>High</a:t>
             </a:r>
             <a:endParaRPr lang="en-US" sz="1100" dirty="0"/>
           </a:p>
@@ -13241,14 +13154,14 @@
       </p:sp>
       <p:sp>
         <p:nvSpPr>
-          <p:cNvPr id="21" name="Rectangle 20"/>
-          <p:cNvSpPr/>
-          <p:nvPr/>
-        </p:nvSpPr>
-        <p:spPr>
-          <a:xfrm>
-            <a:off x="1597138" y="4443247"/>
-            <a:ext cx="820164" cy="566274"/>
+          <p:cNvPr id="23" name="Rectangle 22"/>
+          <p:cNvSpPr/>
+          <p:nvPr/>
+        </p:nvSpPr>
+        <p:spPr>
+          <a:xfrm>
+            <a:off x="3485934" y="4457147"/>
+            <a:ext cx="746973" cy="566274"/>
           </a:xfrm>
           <a:prstGeom prst="rect">
             <a:avLst/>
@@ -13275,7 +13188,7 @@
             <a:pPr algn="ctr"/>
             <a:r>
               <a:rPr lang="en-US" sz="1200" dirty="0" smtClean="0"/>
-              <a:t>Little</a:t>
+              <a:t>Extreme</a:t>
             </a:r>
             <a:endParaRPr lang="en-US" sz="1200" dirty="0"/>
           </a:p>
@@ -13283,14 +13196,79 @@
       </p:sp>
       <p:sp>
         <p:nvSpPr>
-          <p:cNvPr id="22" name="Rectangle 21"/>
-          <p:cNvSpPr/>
-          <p:nvPr/>
-        </p:nvSpPr>
-        <p:spPr>
-          <a:xfrm>
-            <a:off x="2528657" y="4443247"/>
-            <a:ext cx="845922" cy="566274"/>
+          <p:cNvPr id="24" name="Rectangle 23"/>
+          <p:cNvSpPr/>
+          <p:nvPr/>
+        </p:nvSpPr>
+        <p:spPr>
+          <a:xfrm>
+            <a:off x="689238" y="5075387"/>
+            <a:ext cx="3282182" cy="307777"/>
+          </a:xfrm>
+          <a:prstGeom prst="rect">
+            <a:avLst/>
+          </a:prstGeom>
+          <a:noFill/>
+        </p:spPr>
+        <p:txBody>
+          <a:bodyPr wrap="none" lIns="91440" tIns="45720" rIns="91440" bIns="45720">
+            <a:spAutoFit/>
+          </a:bodyPr>
+          <a:lstStyle/>
+          <a:p>
+            <a:pPr algn="ctr"/>
+            <a:r>
+              <a:rPr lang="en-US" sz="1400" dirty="0">
+                <a:ln w="0"/>
+                <a:effectLst>
+                  <a:outerShdw blurRad="38100" dist="19050" dir="2700000" algn="tl" rotWithShape="0">
+                    <a:schemeClr val="dk1">
+                      <a:alpha val="40000"/>
+                    </a:schemeClr>
+                  </a:outerShdw>
+                </a:effectLst>
+              </a:rPr>
+              <a:t>4</a:t>
+            </a:r>
+            <a:r>
+              <a:rPr lang="en-US" sz="1400" dirty="0" smtClean="0">
+                <a:ln w="0"/>
+                <a:effectLst>
+                  <a:outerShdw blurRad="38100" dist="19050" dir="2700000" algn="tl" rotWithShape="0">
+                    <a:schemeClr val="dk1">
+                      <a:alpha val="40000"/>
+                    </a:schemeClr>
+                  </a:outerShdw>
+                </a:effectLst>
+              </a:rPr>
+              <a:t>. Intensity of cough, fever, cold currently?</a:t>
+            </a:r>
+            <a:endParaRPr lang="en-US" sz="1400" b="0" cap="none" spc="0" dirty="0">
+              <a:ln w="0"/>
+              <a:solidFill>
+                <a:schemeClr val="tx1"/>
+              </a:solidFill>
+              <a:effectLst>
+                <a:outerShdw blurRad="38100" dist="19050" dir="2700000" algn="tl" rotWithShape="0">
+                  <a:schemeClr val="dk1">
+                    <a:alpha val="40000"/>
+                  </a:schemeClr>
+                </a:outerShdw>
+              </a:effectLst>
+            </a:endParaRPr>
+          </a:p>
+        </p:txBody>
+      </p:sp>
+      <p:sp>
+        <p:nvSpPr>
+          <p:cNvPr id="25" name="Rectangle 24"/>
+          <p:cNvSpPr/>
+          <p:nvPr/>
+        </p:nvSpPr>
+        <p:spPr>
+          <a:xfrm>
+            <a:off x="682580" y="5398327"/>
+            <a:ext cx="746973" cy="566274"/>
           </a:xfrm>
           <a:prstGeom prst="rect">
             <a:avLst/>
@@ -13316,8 +13294,8 @@
           <a:p>
             <a:pPr algn="ctr"/>
             <a:r>
-              <a:rPr lang="en-US" sz="1200" dirty="0" smtClean="0"/>
-              <a:t>High</a:t>
+              <a:rPr lang="en-US" sz="1100" dirty="0" smtClean="0"/>
+              <a:t>Low</a:t>
             </a:r>
             <a:endParaRPr lang="en-US" sz="1100" dirty="0"/>
           </a:p>
@@ -13325,14 +13303,14 @@
       </p:sp>
       <p:sp>
         <p:nvSpPr>
-          <p:cNvPr id="23" name="Rectangle 22"/>
-          <p:cNvSpPr/>
-          <p:nvPr/>
-        </p:nvSpPr>
-        <p:spPr>
-          <a:xfrm>
-            <a:off x="3485934" y="4457147"/>
-            <a:ext cx="746973" cy="566274"/>
+          <p:cNvPr id="26" name="Rectangle 25"/>
+          <p:cNvSpPr/>
+          <p:nvPr/>
+        </p:nvSpPr>
+        <p:spPr>
+          <a:xfrm>
+            <a:off x="1597138" y="5395966"/>
+            <a:ext cx="820164" cy="566274"/>
           </a:xfrm>
           <a:prstGeom prst="rect">
             <a:avLst/>
@@ -13359,7 +13337,7 @@
             <a:pPr algn="ctr"/>
             <a:r>
               <a:rPr lang="en-US" sz="1200" dirty="0" smtClean="0"/>
-              <a:t>Extreme</a:t>
+              <a:t>Moderate</a:t>
             </a:r>
             <a:endParaRPr lang="en-US" sz="1200" dirty="0"/>
           </a:p>
@@ -13367,79 +13345,14 @@
       </p:sp>
       <p:sp>
         <p:nvSpPr>
-          <p:cNvPr id="24" name="Rectangle 23"/>
-          <p:cNvSpPr/>
-          <p:nvPr/>
-        </p:nvSpPr>
-        <p:spPr>
-          <a:xfrm>
-            <a:off x="689238" y="5075387"/>
-            <a:ext cx="3282182" cy="307777"/>
-          </a:xfrm>
-          <a:prstGeom prst="rect">
-            <a:avLst/>
-          </a:prstGeom>
-          <a:noFill/>
-        </p:spPr>
-        <p:txBody>
-          <a:bodyPr wrap="none" lIns="91440" tIns="45720" rIns="91440" bIns="45720">
-            <a:spAutoFit/>
-          </a:bodyPr>
-          <a:lstStyle/>
-          <a:p>
-            <a:pPr algn="ctr"/>
-            <a:r>
-              <a:rPr lang="en-US" sz="1400" dirty="0">
-                <a:ln w="0"/>
-                <a:effectLst>
-                  <a:outerShdw blurRad="38100" dist="19050" dir="2700000" algn="tl" rotWithShape="0">
-                    <a:schemeClr val="dk1">
-                      <a:alpha val="40000"/>
-                    </a:schemeClr>
-                  </a:outerShdw>
-                </a:effectLst>
-              </a:rPr>
-              <a:t>4</a:t>
-            </a:r>
-            <a:r>
-              <a:rPr lang="en-US" sz="1400" dirty="0" smtClean="0">
-                <a:ln w="0"/>
-                <a:effectLst>
-                  <a:outerShdw blurRad="38100" dist="19050" dir="2700000" algn="tl" rotWithShape="0">
-                    <a:schemeClr val="dk1">
-                      <a:alpha val="40000"/>
-                    </a:schemeClr>
-                  </a:outerShdw>
-                </a:effectLst>
-              </a:rPr>
-              <a:t>. Intensity of cough, fever, cold currently?</a:t>
-            </a:r>
-            <a:endParaRPr lang="en-US" sz="1400" b="0" cap="none" spc="0" dirty="0">
-              <a:ln w="0"/>
-              <a:solidFill>
-                <a:schemeClr val="tx1"/>
-              </a:solidFill>
-              <a:effectLst>
-                <a:outerShdw blurRad="38100" dist="19050" dir="2700000" algn="tl" rotWithShape="0">
-                  <a:schemeClr val="dk1">
-                    <a:alpha val="40000"/>
-                  </a:schemeClr>
-                </a:outerShdw>
-              </a:effectLst>
-            </a:endParaRPr>
-          </a:p>
-        </p:txBody>
-      </p:sp>
-      <p:sp>
-        <p:nvSpPr>
-          <p:cNvPr id="25" name="Rectangle 24"/>
-          <p:cNvSpPr/>
-          <p:nvPr/>
-        </p:nvSpPr>
-        <p:spPr>
-          <a:xfrm>
-            <a:off x="682580" y="5398327"/>
-            <a:ext cx="746973" cy="566274"/>
+          <p:cNvPr id="27" name="Rectangle 26"/>
+          <p:cNvSpPr/>
+          <p:nvPr/>
+        </p:nvSpPr>
+        <p:spPr>
+          <a:xfrm>
+            <a:off x="2528657" y="5395966"/>
+            <a:ext cx="845922" cy="566274"/>
           </a:xfrm>
           <a:prstGeom prst="rect">
             <a:avLst/>
@@ -13465,8 +13378,8 @@
           <a:p>
             <a:pPr algn="ctr"/>
             <a:r>
-              <a:rPr lang="en-US" sz="1100" dirty="0" smtClean="0"/>
-              <a:t>Low</a:t>
+              <a:rPr lang="en-US" sz="1200" dirty="0" smtClean="0"/>
+              <a:t>High</a:t>
             </a:r>
             <a:endParaRPr lang="en-US" sz="1100" dirty="0"/>
           </a:p>
@@ -13474,14 +13387,14 @@
       </p:sp>
       <p:sp>
         <p:nvSpPr>
-          <p:cNvPr id="26" name="Rectangle 25"/>
-          <p:cNvSpPr/>
-          <p:nvPr/>
-        </p:nvSpPr>
-        <p:spPr>
-          <a:xfrm>
-            <a:off x="1597138" y="5395966"/>
-            <a:ext cx="820164" cy="566274"/>
+          <p:cNvPr id="28" name="Rectangle 27"/>
+          <p:cNvSpPr/>
+          <p:nvPr/>
+        </p:nvSpPr>
+        <p:spPr>
+          <a:xfrm>
+            <a:off x="3485934" y="5409866"/>
+            <a:ext cx="746973" cy="566274"/>
           </a:xfrm>
           <a:prstGeom prst="rect">
             <a:avLst/>
@@ -13508,7 +13421,7 @@
             <a:pPr algn="ctr"/>
             <a:r>
               <a:rPr lang="en-US" sz="1200" dirty="0" smtClean="0"/>
-              <a:t>Moderate</a:t>
+              <a:t>Extreme</a:t>
             </a:r>
             <a:endParaRPr lang="en-US" sz="1200" dirty="0"/>
           </a:p>
@@ -13516,14 +13429,408 @@
       </p:sp>
       <p:sp>
         <p:nvSpPr>
-          <p:cNvPr id="27" name="Rectangle 26"/>
-          <p:cNvSpPr/>
-          <p:nvPr/>
-        </p:nvSpPr>
-        <p:spPr>
-          <a:xfrm>
-            <a:off x="2528657" y="5395966"/>
-            <a:ext cx="845922" cy="566274"/>
+          <p:cNvPr id="30" name="Rectangle 29"/>
+          <p:cNvSpPr/>
+          <p:nvPr/>
+        </p:nvSpPr>
+        <p:spPr>
+          <a:xfrm>
+            <a:off x="7525659" y="115907"/>
+            <a:ext cx="3825025" cy="6593985"/>
+          </a:xfrm>
+          <a:prstGeom prst="rect">
+            <a:avLst/>
+          </a:prstGeom>
+          <a:ln>
+            <a:solidFill>
+              <a:schemeClr val="tx1"/>
+            </a:solidFill>
+          </a:ln>
+        </p:spPr>
+        <p:style>
+          <a:lnRef idx="2">
+            <a:schemeClr val="accent6"/>
+          </a:lnRef>
+          <a:fillRef idx="1">
+            <a:schemeClr val="lt1"/>
+          </a:fillRef>
+          <a:effectRef idx="0">
+            <a:schemeClr val="accent6"/>
+          </a:effectRef>
+          <a:fontRef idx="minor">
+            <a:schemeClr val="dk1"/>
+          </a:fontRef>
+        </p:style>
+        <p:txBody>
+          <a:bodyPr rtlCol="0" anchor="ctr"/>
+          <a:lstStyle/>
+          <a:p>
+            <a:pPr algn="ctr"/>
+            <a:endParaRPr lang="en-US" dirty="0"/>
+          </a:p>
+        </p:txBody>
+      </p:sp>
+      <p:sp>
+        <p:nvSpPr>
+          <p:cNvPr id="31" name="Rectangle 30"/>
+          <p:cNvSpPr/>
+          <p:nvPr/>
+        </p:nvSpPr>
+        <p:spPr>
+          <a:xfrm>
+            <a:off x="7545030" y="283335"/>
+            <a:ext cx="2403222" cy="1015663"/>
+          </a:xfrm>
+          <a:prstGeom prst="rect">
+            <a:avLst/>
+          </a:prstGeom>
+          <a:noFill/>
+        </p:spPr>
+        <p:txBody>
+          <a:bodyPr wrap="none" lIns="91440" tIns="45720" rIns="91440" bIns="45720">
+            <a:spAutoFit/>
+          </a:bodyPr>
+          <a:lstStyle/>
+          <a:p>
+            <a:pPr algn="ctr"/>
+            <a:r>
+              <a:rPr lang="en-US" sz="3600" b="0" cap="none" spc="0" dirty="0" smtClean="0">
+                <a:ln w="0"/>
+                <a:solidFill>
+                  <a:schemeClr val="tx1"/>
+                </a:solidFill>
+                <a:effectLst>
+                  <a:outerShdw blurRad="38100" dist="19050" dir="2700000" algn="tl" rotWithShape="0">
+                    <a:schemeClr val="dk1">
+                      <a:alpha val="40000"/>
+                    </a:schemeClr>
+                  </a:outerShdw>
+                </a:effectLst>
+              </a:rPr>
+              <a:t>[City Name]</a:t>
+            </a:r>
+            <a:endParaRPr lang="en-US" sz="2400" b="0" cap="none" spc="0" dirty="0" smtClean="0">
+              <a:ln w="0"/>
+              <a:solidFill>
+                <a:schemeClr val="tx1"/>
+              </a:solidFill>
+              <a:effectLst>
+                <a:outerShdw blurRad="38100" dist="19050" dir="2700000" algn="tl" rotWithShape="0">
+                  <a:schemeClr val="dk1">
+                    <a:alpha val="40000"/>
+                  </a:schemeClr>
+                </a:outerShdw>
+              </a:effectLst>
+            </a:endParaRPr>
+          </a:p>
+          <a:p>
+            <a:pPr algn="ctr"/>
+            <a:r>
+              <a:rPr lang="en-US" sz="2400" dirty="0" smtClean="0">
+                <a:ln w="0"/>
+                <a:effectLst>
+                  <a:outerShdw blurRad="38100" dist="19050" dir="2700000" algn="tl" rotWithShape="0">
+                    <a:schemeClr val="dk1">
+                      <a:alpha val="40000"/>
+                    </a:schemeClr>
+                  </a:outerShdw>
+                </a:effectLst>
+              </a:rPr>
+              <a:t>Condition</a:t>
+            </a:r>
+            <a:endParaRPr lang="en-US" sz="2000" b="0" cap="none" spc="0" dirty="0">
+              <a:ln w="0"/>
+              <a:solidFill>
+                <a:schemeClr val="tx1"/>
+              </a:solidFill>
+              <a:effectLst>
+                <a:outerShdw blurRad="38100" dist="19050" dir="2700000" algn="tl" rotWithShape="0">
+                  <a:schemeClr val="dk1">
+                    <a:alpha val="40000"/>
+                  </a:schemeClr>
+                </a:outerShdw>
+              </a:effectLst>
+            </a:endParaRPr>
+          </a:p>
+        </p:txBody>
+      </p:sp>
+      <p:sp>
+        <p:nvSpPr>
+          <p:cNvPr id="32" name="Rounded Rectangle 31"/>
+          <p:cNvSpPr/>
+          <p:nvPr/>
+        </p:nvSpPr>
+        <p:spPr>
+          <a:xfrm>
+            <a:off x="10237342" y="284524"/>
+            <a:ext cx="862885" cy="486796"/>
+          </a:xfrm>
+          <a:prstGeom prst="roundRect">
+            <a:avLst/>
+          </a:prstGeom>
+          <a:noFill/>
+        </p:spPr>
+        <p:style>
+          <a:lnRef idx="2">
+            <a:schemeClr val="accent1">
+              <a:shade val="50000"/>
+            </a:schemeClr>
+          </a:lnRef>
+          <a:fillRef idx="1">
+            <a:schemeClr val="accent1"/>
+          </a:fillRef>
+          <a:effectRef idx="0">
+            <a:schemeClr val="accent1"/>
+          </a:effectRef>
+          <a:fontRef idx="minor">
+            <a:schemeClr val="lt1"/>
+          </a:fontRef>
+        </p:style>
+        <p:txBody>
+          <a:bodyPr rtlCol="0" anchor="ctr"/>
+          <a:lstStyle/>
+          <a:p>
+            <a:pPr algn="ctr"/>
+            <a:r>
+              <a:rPr lang="en-US" dirty="0" smtClean="0">
+                <a:solidFill>
+                  <a:sysClr val="windowText" lastClr="000000"/>
+                </a:solidFill>
+              </a:rPr>
+              <a:t>T: 33</a:t>
+            </a:r>
+            <a:r>
+              <a:rPr lang="en-US" baseline="30000" dirty="0" smtClean="0">
+                <a:solidFill>
+                  <a:sysClr val="windowText" lastClr="000000"/>
+                </a:solidFill>
+              </a:rPr>
+              <a:t>o</a:t>
+            </a:r>
+            <a:endParaRPr lang="en-US" dirty="0">
+              <a:solidFill>
+                <a:sysClr val="windowText" lastClr="000000"/>
+              </a:solidFill>
+            </a:endParaRPr>
+          </a:p>
+        </p:txBody>
+      </p:sp>
+      <p:sp>
+        <p:nvSpPr>
+          <p:cNvPr id="33" name="Rounded Rectangle 32"/>
+          <p:cNvSpPr/>
+          <p:nvPr/>
+        </p:nvSpPr>
+        <p:spPr>
+          <a:xfrm>
+            <a:off x="10237341" y="874946"/>
+            <a:ext cx="862885" cy="486796"/>
+          </a:xfrm>
+          <a:prstGeom prst="roundRect">
+            <a:avLst/>
+          </a:prstGeom>
+          <a:noFill/>
+        </p:spPr>
+        <p:style>
+          <a:lnRef idx="2">
+            <a:schemeClr val="accent1">
+              <a:shade val="50000"/>
+            </a:schemeClr>
+          </a:lnRef>
+          <a:fillRef idx="1">
+            <a:schemeClr val="accent1"/>
+          </a:fillRef>
+          <a:effectRef idx="0">
+            <a:schemeClr val="accent1"/>
+          </a:effectRef>
+          <a:fontRef idx="minor">
+            <a:schemeClr val="lt1"/>
+          </a:fontRef>
+        </p:style>
+        <p:txBody>
+          <a:bodyPr rtlCol="0" anchor="ctr"/>
+          <a:lstStyle/>
+          <a:p>
+            <a:pPr algn="ctr"/>
+            <a:r>
+              <a:rPr lang="en-US" dirty="0" smtClean="0">
+                <a:solidFill>
+                  <a:sysClr val="windowText" lastClr="000000"/>
+                </a:solidFill>
+              </a:rPr>
+              <a:t>H: </a:t>
+            </a:r>
+            <a:endParaRPr lang="en-US" dirty="0">
+              <a:solidFill>
+                <a:sysClr val="windowText" lastClr="000000"/>
+              </a:solidFill>
+            </a:endParaRPr>
+          </a:p>
+        </p:txBody>
+      </p:sp>
+      <p:sp>
+        <p:nvSpPr>
+          <p:cNvPr id="34" name="Rectangle 33"/>
+          <p:cNvSpPr/>
+          <p:nvPr/>
+        </p:nvSpPr>
+        <p:spPr>
+          <a:xfrm>
+            <a:off x="8901967" y="1512649"/>
+            <a:ext cx="1072409" cy="400110"/>
+          </a:xfrm>
+          <a:prstGeom prst="rect">
+            <a:avLst/>
+          </a:prstGeom>
+          <a:noFill/>
+        </p:spPr>
+        <p:txBody>
+          <a:bodyPr wrap="none" lIns="91440" tIns="45720" rIns="91440" bIns="45720">
+            <a:spAutoFit/>
+          </a:bodyPr>
+          <a:lstStyle/>
+          <a:p>
+            <a:pPr algn="ctr"/>
+            <a:r>
+              <a:rPr lang="en-US" sz="2000" dirty="0" smtClean="0">
+                <a:ln w="0"/>
+                <a:effectLst>
+                  <a:outerShdw blurRad="38100" dist="19050" dir="2700000" algn="tl" rotWithShape="0">
+                    <a:schemeClr val="dk1">
+                      <a:alpha val="40000"/>
+                    </a:schemeClr>
+                  </a:outerShdw>
+                </a:effectLst>
+              </a:rPr>
+              <a:t>#</a:t>
+            </a:r>
+            <a:r>
+              <a:rPr lang="en-US" sz="2000" dirty="0" err="1" smtClean="0">
+                <a:ln w="0"/>
+                <a:effectLst>
+                  <a:outerShdw blurRad="38100" dist="19050" dir="2700000" algn="tl" rotWithShape="0">
+                    <a:schemeClr val="dk1">
+                      <a:alpha val="40000"/>
+                    </a:schemeClr>
+                  </a:outerShdw>
+                </a:effectLst>
+              </a:rPr>
+              <a:t>saveAir</a:t>
+            </a:r>
+            <a:endParaRPr lang="en-US" sz="2000" b="0" cap="none" spc="0" dirty="0">
+              <a:ln w="0"/>
+              <a:solidFill>
+                <a:schemeClr val="tx1"/>
+              </a:solidFill>
+              <a:effectLst>
+                <a:outerShdw blurRad="38100" dist="19050" dir="2700000" algn="tl" rotWithShape="0">
+                  <a:schemeClr val="dk1">
+                    <a:alpha val="40000"/>
+                  </a:schemeClr>
+                </a:outerShdw>
+              </a:effectLst>
+            </a:endParaRPr>
+          </a:p>
+        </p:txBody>
+      </p:sp>
+      <p:sp>
+        <p:nvSpPr>
+          <p:cNvPr id="35" name="Rectangle 34"/>
+          <p:cNvSpPr/>
+          <p:nvPr/>
+        </p:nvSpPr>
+        <p:spPr>
+          <a:xfrm>
+            <a:off x="7641569" y="1920325"/>
+            <a:ext cx="2935675" cy="523220"/>
+          </a:xfrm>
+          <a:prstGeom prst="rect">
+            <a:avLst/>
+          </a:prstGeom>
+          <a:noFill/>
+        </p:spPr>
+        <p:txBody>
+          <a:bodyPr wrap="none" lIns="91440" tIns="45720" rIns="91440" bIns="45720">
+            <a:spAutoFit/>
+          </a:bodyPr>
+          <a:lstStyle/>
+          <a:p>
+            <a:r>
+              <a:rPr lang="en-US" sz="1400" b="0" cap="none" spc="0" dirty="0" smtClean="0">
+                <a:ln w="0"/>
+                <a:solidFill>
+                  <a:schemeClr val="tx1"/>
+                </a:solidFill>
+                <a:effectLst>
+                  <a:outerShdw blurRad="38100" dist="19050" dir="2700000" algn="tl" rotWithShape="0">
+                    <a:schemeClr val="dk1">
+                      <a:alpha val="40000"/>
+                    </a:schemeClr>
+                  </a:outerShdw>
+                </a:effectLst>
+              </a:rPr>
+              <a:t>5. Have you seen any recent airborne </a:t>
+            </a:r>
+          </a:p>
+          <a:p>
+            <a:r>
+              <a:rPr lang="en-US" sz="1400" b="0" cap="none" spc="0" dirty="0" err="1" smtClean="0">
+                <a:ln w="0"/>
+                <a:solidFill>
+                  <a:schemeClr val="tx1"/>
+                </a:solidFill>
+                <a:effectLst>
+                  <a:outerShdw blurRad="38100" dist="19050" dir="2700000" algn="tl" rotWithShape="0">
+                    <a:schemeClr val="dk1">
+                      <a:alpha val="40000"/>
+                    </a:schemeClr>
+                  </a:outerShdw>
+                </a:effectLst>
+              </a:rPr>
+              <a:t>epidemy</a:t>
+            </a:r>
+            <a:r>
+              <a:rPr lang="en-US" sz="1400" b="0" cap="none" spc="0" dirty="0" smtClean="0">
+                <a:ln w="0"/>
+                <a:solidFill>
+                  <a:schemeClr val="tx1"/>
+                </a:solidFill>
+                <a:effectLst>
+                  <a:outerShdw blurRad="38100" dist="19050" dir="2700000" algn="tl" rotWithShape="0">
+                    <a:schemeClr val="dk1">
+                      <a:alpha val="40000"/>
+                    </a:schemeClr>
+                  </a:outerShdw>
+                </a:effectLst>
+              </a:rPr>
+              <a:t> in your area?</a:t>
+            </a:r>
+            <a:endParaRPr lang="en-US" sz="1400" b="0" cap="none" spc="0" dirty="0">
+              <a:ln w="0"/>
+              <a:solidFill>
+                <a:schemeClr val="tx1"/>
+              </a:solidFill>
+              <a:effectLst>
+                <a:outerShdw blurRad="38100" dist="19050" dir="2700000" algn="tl" rotWithShape="0">
+                  <a:schemeClr val="dk1">
+                    <a:alpha val="40000"/>
+                  </a:schemeClr>
+                </a:outerShdw>
+              </a:effectLst>
+            </a:endParaRPr>
+          </a:p>
+        </p:txBody>
+      </p:sp>
+      <p:sp>
+        <p:nvSpPr>
+          <p:cNvPr id="36" name="Rectangle 35"/>
+          <p:cNvSpPr/>
+          <p:nvPr/>
+        </p:nvSpPr>
+        <p:spPr>
+          <a:xfrm>
+            <a:off x="8581729" y="2447377"/>
+            <a:ext cx="746973" cy="566274"/>
           </a:xfrm>
           <a:prstGeom prst="rect">
             <a:avLst/>
@@ -13549,8 +13856,8 @@
           <a:p>
             <a:pPr algn="ctr"/>
             <a:r>
-              <a:rPr lang="en-US" sz="1200" dirty="0" smtClean="0"/>
-              <a:t>High</a:t>
+              <a:rPr lang="en-US" sz="1100" dirty="0" smtClean="0"/>
+              <a:t>Yes</a:t>
             </a:r>
             <a:endParaRPr lang="en-US" sz="1100" dirty="0"/>
           </a:p>
@@ -13558,13 +13865,13 @@
       </p:sp>
       <p:sp>
         <p:nvSpPr>
-          <p:cNvPr id="28" name="Rectangle 27"/>
-          <p:cNvSpPr/>
-          <p:nvPr/>
-        </p:nvSpPr>
-        <p:spPr>
-          <a:xfrm>
-            <a:off x="3485934" y="5409866"/>
+          <p:cNvPr id="37" name="Rectangle 36"/>
+          <p:cNvSpPr/>
+          <p:nvPr/>
+        </p:nvSpPr>
+        <p:spPr>
+          <a:xfrm>
+            <a:off x="9496287" y="2445016"/>
             <a:ext cx="746973" cy="566274"/>
           </a:xfrm>
           <a:prstGeom prst="rect">
@@ -13592,484 +13899,6 @@
             <a:pPr algn="ctr"/>
             <a:r>
               <a:rPr lang="en-US" sz="1200" dirty="0" smtClean="0"/>
-              <a:t>Extreme</a:t>
-            </a:r>
-            <a:endParaRPr lang="en-US" sz="1200" dirty="0"/>
-          </a:p>
-        </p:txBody>
-      </p:sp>
-      <p:sp>
-        <p:nvSpPr>
-          <p:cNvPr id="30" name="Rectangle 29"/>
-          <p:cNvSpPr/>
-          <p:nvPr/>
-        </p:nvSpPr>
-        <p:spPr>
-          <a:xfrm>
-            <a:off x="7525659" y="115907"/>
-            <a:ext cx="3825025" cy="6593985"/>
-          </a:xfrm>
-          <a:prstGeom prst="rect">
-            <a:avLst/>
-          </a:prstGeom>
-          <a:ln>
-            <a:solidFill>
-              <a:schemeClr val="tx1"/>
-            </a:solidFill>
-          </a:ln>
-        </p:spPr>
-        <p:style>
-          <a:lnRef idx="2">
-            <a:schemeClr val="accent6"/>
-          </a:lnRef>
-          <a:fillRef idx="1">
-            <a:schemeClr val="lt1"/>
-          </a:fillRef>
-          <a:effectRef idx="0">
-            <a:schemeClr val="accent6"/>
-          </a:effectRef>
-          <a:fontRef idx="minor">
-            <a:schemeClr val="dk1"/>
-          </a:fontRef>
-        </p:style>
-        <p:txBody>
-          <a:bodyPr rtlCol="0" anchor="ctr"/>
-          <a:lstStyle/>
-          <a:p>
-            <a:pPr algn="ctr"/>
-            <a:endParaRPr lang="en-US" dirty="0"/>
-          </a:p>
-        </p:txBody>
-      </p:sp>
-      <p:sp>
-        <p:nvSpPr>
-          <p:cNvPr id="31" name="Rectangle 30"/>
-          <p:cNvSpPr/>
-          <p:nvPr/>
-        </p:nvSpPr>
-        <p:spPr>
-          <a:xfrm>
-            <a:off x="7545030" y="283335"/>
-            <a:ext cx="2403222" cy="1015663"/>
-          </a:xfrm>
-          <a:prstGeom prst="rect">
-            <a:avLst/>
-          </a:prstGeom>
-          <a:noFill/>
-        </p:spPr>
-        <p:txBody>
-          <a:bodyPr wrap="none" lIns="91440" tIns="45720" rIns="91440" bIns="45720">
-            <a:spAutoFit/>
-          </a:bodyPr>
-          <a:lstStyle/>
-          <a:p>
-            <a:pPr algn="ctr"/>
-            <a:r>
-              <a:rPr lang="en-US" sz="3600" b="0" cap="none" spc="0" dirty="0" smtClean="0">
-                <a:ln w="0"/>
-                <a:solidFill>
-                  <a:schemeClr val="tx1"/>
-                </a:solidFill>
-                <a:effectLst>
-                  <a:outerShdw blurRad="38100" dist="19050" dir="2700000" algn="tl" rotWithShape="0">
-                    <a:schemeClr val="dk1">
-                      <a:alpha val="40000"/>
-                    </a:schemeClr>
-                  </a:outerShdw>
-                </a:effectLst>
-              </a:rPr>
-              <a:t>[City Name]</a:t>
-            </a:r>
-            <a:endParaRPr lang="en-US" sz="2400" b="0" cap="none" spc="0" dirty="0" smtClean="0">
-              <a:ln w="0"/>
-              <a:solidFill>
-                <a:schemeClr val="tx1"/>
-              </a:solidFill>
-              <a:effectLst>
-                <a:outerShdw blurRad="38100" dist="19050" dir="2700000" algn="tl" rotWithShape="0">
-                  <a:schemeClr val="dk1">
-                    <a:alpha val="40000"/>
-                  </a:schemeClr>
-                </a:outerShdw>
-              </a:effectLst>
-            </a:endParaRPr>
-          </a:p>
-          <a:p>
-            <a:pPr algn="ctr"/>
-            <a:r>
-              <a:rPr lang="en-US" sz="2400" dirty="0" smtClean="0">
-                <a:ln w="0"/>
-                <a:effectLst>
-                  <a:outerShdw blurRad="38100" dist="19050" dir="2700000" algn="tl" rotWithShape="0">
-                    <a:schemeClr val="dk1">
-                      <a:alpha val="40000"/>
-                    </a:schemeClr>
-                  </a:outerShdw>
-                </a:effectLst>
-              </a:rPr>
-              <a:t>Condition</a:t>
-            </a:r>
-            <a:endParaRPr lang="en-US" sz="2000" b="0" cap="none" spc="0" dirty="0">
-              <a:ln w="0"/>
-              <a:solidFill>
-                <a:schemeClr val="tx1"/>
-              </a:solidFill>
-              <a:effectLst>
-                <a:outerShdw blurRad="38100" dist="19050" dir="2700000" algn="tl" rotWithShape="0">
-                  <a:schemeClr val="dk1">
-                    <a:alpha val="40000"/>
-                  </a:schemeClr>
-                </a:outerShdw>
-              </a:effectLst>
-            </a:endParaRPr>
-          </a:p>
-        </p:txBody>
-      </p:sp>
-      <p:sp>
-        <p:nvSpPr>
-          <p:cNvPr id="32" name="Rounded Rectangle 31"/>
-          <p:cNvSpPr/>
-          <p:nvPr/>
-        </p:nvSpPr>
-        <p:spPr>
-          <a:xfrm>
-            <a:off x="10237342" y="284524"/>
-            <a:ext cx="862885" cy="486796"/>
-          </a:xfrm>
-          <a:prstGeom prst="roundRect">
-            <a:avLst/>
-          </a:prstGeom>
-          <a:noFill/>
-        </p:spPr>
-        <p:style>
-          <a:lnRef idx="2">
-            <a:schemeClr val="accent1">
-              <a:shade val="50000"/>
-            </a:schemeClr>
-          </a:lnRef>
-          <a:fillRef idx="1">
-            <a:schemeClr val="accent1"/>
-          </a:fillRef>
-          <a:effectRef idx="0">
-            <a:schemeClr val="accent1"/>
-          </a:effectRef>
-          <a:fontRef idx="minor">
-            <a:schemeClr val="lt1"/>
-          </a:fontRef>
-        </p:style>
-        <p:txBody>
-          <a:bodyPr rtlCol="0" anchor="ctr"/>
-          <a:lstStyle/>
-          <a:p>
-            <a:pPr algn="ctr"/>
-            <a:r>
-              <a:rPr lang="en-US" dirty="0" smtClean="0">
-                <a:solidFill>
-                  <a:sysClr val="windowText" lastClr="000000"/>
-                </a:solidFill>
-              </a:rPr>
-              <a:t>T: 33</a:t>
-            </a:r>
-            <a:r>
-              <a:rPr lang="en-US" baseline="30000" dirty="0" smtClean="0">
-                <a:solidFill>
-                  <a:sysClr val="windowText" lastClr="000000"/>
-                </a:solidFill>
-              </a:rPr>
-              <a:t>o</a:t>
-            </a:r>
-            <a:endParaRPr lang="en-US" dirty="0">
-              <a:solidFill>
-                <a:sysClr val="windowText" lastClr="000000"/>
-              </a:solidFill>
-            </a:endParaRPr>
-          </a:p>
-        </p:txBody>
-      </p:sp>
-      <p:sp>
-        <p:nvSpPr>
-          <p:cNvPr id="33" name="Rounded Rectangle 32"/>
-          <p:cNvSpPr/>
-          <p:nvPr/>
-        </p:nvSpPr>
-        <p:spPr>
-          <a:xfrm>
-            <a:off x="10237341" y="874946"/>
-            <a:ext cx="862885" cy="486796"/>
-          </a:xfrm>
-          <a:prstGeom prst="roundRect">
-            <a:avLst/>
-          </a:prstGeom>
-          <a:noFill/>
-        </p:spPr>
-        <p:style>
-          <a:lnRef idx="2">
-            <a:schemeClr val="accent1">
-              <a:shade val="50000"/>
-            </a:schemeClr>
-          </a:lnRef>
-          <a:fillRef idx="1">
-            <a:schemeClr val="accent1"/>
-          </a:fillRef>
-          <a:effectRef idx="0">
-            <a:schemeClr val="accent1"/>
-          </a:effectRef>
-          <a:fontRef idx="minor">
-            <a:schemeClr val="lt1"/>
-          </a:fontRef>
-        </p:style>
-        <p:txBody>
-          <a:bodyPr rtlCol="0" anchor="ctr"/>
-          <a:lstStyle/>
-          <a:p>
-            <a:pPr algn="ctr"/>
-            <a:r>
-              <a:rPr lang="en-US" dirty="0" smtClean="0">
-                <a:solidFill>
-                  <a:sysClr val="windowText" lastClr="000000"/>
-                </a:solidFill>
-              </a:rPr>
-              <a:t>H: </a:t>
-            </a:r>
-            <a:endParaRPr lang="en-US" dirty="0">
-              <a:solidFill>
-                <a:sysClr val="windowText" lastClr="000000"/>
-              </a:solidFill>
-            </a:endParaRPr>
-          </a:p>
-        </p:txBody>
-      </p:sp>
-      <p:sp>
-        <p:nvSpPr>
-          <p:cNvPr id="34" name="Rectangle 33"/>
-          <p:cNvSpPr/>
-          <p:nvPr/>
-        </p:nvSpPr>
-        <p:spPr>
-          <a:xfrm>
-            <a:off x="8901967" y="1512649"/>
-            <a:ext cx="1072409" cy="400110"/>
-          </a:xfrm>
-          <a:prstGeom prst="rect">
-            <a:avLst/>
-          </a:prstGeom>
-          <a:noFill/>
-        </p:spPr>
-        <p:txBody>
-          <a:bodyPr wrap="none" lIns="91440" tIns="45720" rIns="91440" bIns="45720">
-            <a:spAutoFit/>
-          </a:bodyPr>
-          <a:lstStyle/>
-          <a:p>
-            <a:pPr algn="ctr"/>
-            <a:r>
-              <a:rPr lang="en-US" sz="2000" dirty="0" smtClean="0">
-                <a:ln w="0"/>
-                <a:effectLst>
-                  <a:outerShdw blurRad="38100" dist="19050" dir="2700000" algn="tl" rotWithShape="0">
-                    <a:schemeClr val="dk1">
-                      <a:alpha val="40000"/>
-                    </a:schemeClr>
-                  </a:outerShdw>
-                </a:effectLst>
-              </a:rPr>
-              <a:t>#</a:t>
-            </a:r>
-            <a:r>
-              <a:rPr lang="en-US" sz="2000" dirty="0" err="1" smtClean="0">
-                <a:ln w="0"/>
-                <a:effectLst>
-                  <a:outerShdw blurRad="38100" dist="19050" dir="2700000" algn="tl" rotWithShape="0">
-                    <a:schemeClr val="dk1">
-                      <a:alpha val="40000"/>
-                    </a:schemeClr>
-                  </a:outerShdw>
-                </a:effectLst>
-              </a:rPr>
-              <a:t>saveAir</a:t>
-            </a:r>
-            <a:endParaRPr lang="en-US" sz="2000" b="0" cap="none" spc="0" dirty="0">
-              <a:ln w="0"/>
-              <a:solidFill>
-                <a:schemeClr val="tx1"/>
-              </a:solidFill>
-              <a:effectLst>
-                <a:outerShdw blurRad="38100" dist="19050" dir="2700000" algn="tl" rotWithShape="0">
-                  <a:schemeClr val="dk1">
-                    <a:alpha val="40000"/>
-                  </a:schemeClr>
-                </a:outerShdw>
-              </a:effectLst>
-            </a:endParaRPr>
-          </a:p>
-        </p:txBody>
-      </p:sp>
-      <p:sp>
-        <p:nvSpPr>
-          <p:cNvPr id="35" name="Rectangle 34"/>
-          <p:cNvSpPr/>
-          <p:nvPr/>
-        </p:nvSpPr>
-        <p:spPr>
-          <a:xfrm>
-            <a:off x="7641569" y="1920325"/>
-            <a:ext cx="2935675" cy="523220"/>
-          </a:xfrm>
-          <a:prstGeom prst="rect">
-            <a:avLst/>
-          </a:prstGeom>
-          <a:noFill/>
-        </p:spPr>
-        <p:txBody>
-          <a:bodyPr wrap="none" lIns="91440" tIns="45720" rIns="91440" bIns="45720">
-            <a:spAutoFit/>
-          </a:bodyPr>
-          <a:lstStyle/>
-          <a:p>
-            <a:r>
-              <a:rPr lang="en-US" sz="1400" b="0" cap="none" spc="0" dirty="0" smtClean="0">
-                <a:ln w="0"/>
-                <a:solidFill>
-                  <a:schemeClr val="tx1"/>
-                </a:solidFill>
-                <a:effectLst>
-                  <a:outerShdw blurRad="38100" dist="19050" dir="2700000" algn="tl" rotWithShape="0">
-                    <a:schemeClr val="dk1">
-                      <a:alpha val="40000"/>
-                    </a:schemeClr>
-                  </a:outerShdw>
-                </a:effectLst>
-              </a:rPr>
-              <a:t>5. Have you seen any recent airborne </a:t>
-            </a:r>
-          </a:p>
-          <a:p>
-            <a:r>
-              <a:rPr lang="en-US" sz="1400" b="0" cap="none" spc="0" dirty="0" err="1" smtClean="0">
-                <a:ln w="0"/>
-                <a:solidFill>
-                  <a:schemeClr val="tx1"/>
-                </a:solidFill>
-                <a:effectLst>
-                  <a:outerShdw blurRad="38100" dist="19050" dir="2700000" algn="tl" rotWithShape="0">
-                    <a:schemeClr val="dk1">
-                      <a:alpha val="40000"/>
-                    </a:schemeClr>
-                  </a:outerShdw>
-                </a:effectLst>
-              </a:rPr>
-              <a:t>epidemy</a:t>
-            </a:r>
-            <a:r>
-              <a:rPr lang="en-US" sz="1400" b="0" cap="none" spc="0" dirty="0" smtClean="0">
-                <a:ln w="0"/>
-                <a:solidFill>
-                  <a:schemeClr val="tx1"/>
-                </a:solidFill>
-                <a:effectLst>
-                  <a:outerShdw blurRad="38100" dist="19050" dir="2700000" algn="tl" rotWithShape="0">
-                    <a:schemeClr val="dk1">
-                      <a:alpha val="40000"/>
-                    </a:schemeClr>
-                  </a:outerShdw>
-                </a:effectLst>
-              </a:rPr>
-              <a:t> in your area?</a:t>
-            </a:r>
-            <a:endParaRPr lang="en-US" sz="1400" b="0" cap="none" spc="0" dirty="0">
-              <a:ln w="0"/>
-              <a:solidFill>
-                <a:schemeClr val="tx1"/>
-              </a:solidFill>
-              <a:effectLst>
-                <a:outerShdw blurRad="38100" dist="19050" dir="2700000" algn="tl" rotWithShape="0">
-                  <a:schemeClr val="dk1">
-                    <a:alpha val="40000"/>
-                  </a:schemeClr>
-                </a:outerShdw>
-              </a:effectLst>
-            </a:endParaRPr>
-          </a:p>
-        </p:txBody>
-      </p:sp>
-      <p:sp>
-        <p:nvSpPr>
-          <p:cNvPr id="36" name="Rectangle 35"/>
-          <p:cNvSpPr/>
-          <p:nvPr/>
-        </p:nvSpPr>
-        <p:spPr>
-          <a:xfrm>
-            <a:off x="8581729" y="2447377"/>
-            <a:ext cx="746973" cy="566274"/>
-          </a:xfrm>
-          <a:prstGeom prst="rect">
-            <a:avLst/>
-          </a:prstGeom>
-        </p:spPr>
-        <p:style>
-          <a:lnRef idx="1">
-            <a:schemeClr val="accent4"/>
-          </a:lnRef>
-          <a:fillRef idx="2">
-            <a:schemeClr val="accent4"/>
-          </a:fillRef>
-          <a:effectRef idx="1">
-            <a:schemeClr val="accent4"/>
-          </a:effectRef>
-          <a:fontRef idx="minor">
-            <a:schemeClr val="dk1"/>
-          </a:fontRef>
-        </p:style>
-        <p:txBody>
-          <a:bodyPr rtlCol="0" anchor="ctr"/>
-          <a:lstStyle/>
-          <a:p>
-            <a:pPr algn="ctr"/>
-            <a:r>
-              <a:rPr lang="en-US" sz="1100" dirty="0" smtClean="0"/>
-              <a:t>Yes</a:t>
-            </a:r>
-            <a:endParaRPr lang="en-US" sz="1100" dirty="0"/>
-          </a:p>
-        </p:txBody>
-      </p:sp>
-      <p:sp>
-        <p:nvSpPr>
-          <p:cNvPr id="37" name="Rectangle 36"/>
-          <p:cNvSpPr/>
-          <p:nvPr/>
-        </p:nvSpPr>
-        <p:spPr>
-          <a:xfrm>
-            <a:off x="9496287" y="2445016"/>
-            <a:ext cx="746973" cy="566274"/>
-          </a:xfrm>
-          <a:prstGeom prst="rect">
-            <a:avLst/>
-          </a:prstGeom>
-        </p:spPr>
-        <p:style>
-          <a:lnRef idx="1">
-            <a:schemeClr val="accent4"/>
-          </a:lnRef>
-          <a:fillRef idx="2">
-            <a:schemeClr val="accent4"/>
-          </a:fillRef>
-          <a:effectRef idx="1">
-            <a:schemeClr val="accent4"/>
-          </a:effectRef>
-          <a:fontRef idx="minor">
-            <a:schemeClr val="dk1"/>
-          </a:fontRef>
-        </p:style>
-        <p:txBody>
-          <a:bodyPr rtlCol="0" anchor="ctr"/>
-          <a:lstStyle/>
-          <a:p>
-            <a:pPr algn="ctr"/>
-            <a:r>
-              <a:rPr lang="en-US" sz="1200" dirty="0" smtClean="0"/>
               <a:t>No</a:t>
             </a:r>
             <a:endParaRPr lang="en-US" sz="1200" dirty="0"/>
@@ -14110,20 +13939,7 @@
                   </a:outerShdw>
                 </a:effectLst>
               </a:rPr>
-              <a:t>6</a:t>
-            </a:r>
-            <a:r>
-              <a:rPr lang="en-US" sz="1400" dirty="0" smtClean="0">
-                <a:ln w="0"/>
-                <a:effectLst>
-                  <a:outerShdw blurRad="38100" dist="19050" dir="2700000" algn="tl" rotWithShape="0">
-                    <a:schemeClr val="dk1">
-                      <a:alpha val="40000"/>
-                    </a:schemeClr>
-                  </a:outerShdw>
-                </a:effectLst>
-              </a:rPr>
-              <a:t>. (If yes) What it is?</a:t>
+              <a:t>6. (If yes) What it is?</a:t>
             </a:r>
             <a:endParaRPr lang="en-US" sz="1400" b="0" cap="none" spc="0" dirty="0">
               <a:ln w="0"/>
@@ -14531,6 +14347,48 @@
           <a:p>
             <a:pPr algn="ctr"/>
             <a:endParaRPr lang="en-US"/>
+          </a:p>
+        </p:txBody>
+      </p:sp>
+      <p:sp>
+        <p:nvSpPr>
+          <p:cNvPr id="46" name="Rectangle 45"/>
+          <p:cNvSpPr/>
+          <p:nvPr/>
+        </p:nvSpPr>
+        <p:spPr>
+          <a:xfrm>
+            <a:off x="3499985" y="3405564"/>
+            <a:ext cx="845922" cy="566274"/>
+          </a:xfrm>
+          <a:prstGeom prst="rect">
+            <a:avLst/>
+          </a:prstGeom>
+        </p:spPr>
+        <p:style>
+          <a:lnRef idx="1">
+            <a:schemeClr val="accent4"/>
+          </a:lnRef>
+          <a:fillRef idx="2">
+            <a:schemeClr val="accent4"/>
+          </a:fillRef>
+          <a:effectRef idx="1">
+            <a:schemeClr val="accent4"/>
+          </a:effectRef>
+          <a:fontRef idx="minor">
+            <a:schemeClr val="dk1"/>
+          </a:fontRef>
+        </p:style>
+        <p:txBody>
+          <a:bodyPr rtlCol="0" anchor="ctr"/>
+          <a:lstStyle/>
+          <a:p>
+            <a:pPr algn="ctr"/>
+            <a:r>
+              <a:rPr lang="en-US" sz="1200" dirty="0" smtClean="0"/>
+              <a:t>High</a:t>
+            </a:r>
+            <a:endParaRPr lang="en-US" sz="1100" dirty="0"/>
           </a:p>
         </p:txBody>
       </p:sp>

--- a/GuardianOfTheAir/app-structure/Goa.pptx
+++ b/GuardianOfTheAir/app-structure/Goa.pptx
@@ -12661,7 +12661,7 @@
         </p:nvSpPr>
         <p:spPr>
           <a:xfrm>
-            <a:off x="1086236" y="2344345"/>
+            <a:off x="689238" y="2341984"/>
             <a:ext cx="746973" cy="566274"/>
           </a:xfrm>
           <a:prstGeom prst="rect">
@@ -12689,11 +12689,7 @@
             <a:pPr algn="ctr"/>
             <a:r>
               <a:rPr lang="en-US" sz="1100" dirty="0" smtClean="0"/>
-              <a:t>Not </a:t>
-            </a:r>
-            <a:r>
-              <a:rPr lang="en-US" sz="1100" dirty="0" smtClean="0"/>
-              <a:t>much</a:t>
+              <a:t>Not much</a:t>
             </a:r>
             <a:endParaRPr lang="en-US" sz="1100" dirty="0"/>
           </a:p>
@@ -12707,7 +12703,7 @@
         </p:nvSpPr>
         <p:spPr>
           <a:xfrm>
-            <a:off x="2000794" y="2341984"/>
+            <a:off x="1653294" y="2341984"/>
             <a:ext cx="746973" cy="566274"/>
           </a:xfrm>
           <a:prstGeom prst="rect">
@@ -12749,7 +12745,7 @@
         </p:nvSpPr>
         <p:spPr>
           <a:xfrm>
-            <a:off x="2932313" y="2341984"/>
+            <a:off x="2570162" y="2341984"/>
             <a:ext cx="845922" cy="566274"/>
           </a:xfrm>
           <a:prstGeom prst="rect">
@@ -14387,6 +14383,48 @@
             <a:r>
               <a:rPr lang="en-US" sz="1200" dirty="0" smtClean="0"/>
               <a:t>High</a:t>
+            </a:r>
+            <a:endParaRPr lang="en-US" sz="1100" dirty="0"/>
+          </a:p>
+        </p:txBody>
+      </p:sp>
+      <p:sp>
+        <p:nvSpPr>
+          <p:cNvPr id="45" name="Rectangle 44"/>
+          <p:cNvSpPr/>
+          <p:nvPr/>
+        </p:nvSpPr>
+        <p:spPr>
+          <a:xfrm>
+            <a:off x="3538144" y="2341984"/>
+            <a:ext cx="845922" cy="566274"/>
+          </a:xfrm>
+          <a:prstGeom prst="rect">
+            <a:avLst/>
+          </a:prstGeom>
+        </p:spPr>
+        <p:style>
+          <a:lnRef idx="1">
+            <a:schemeClr val="accent4"/>
+          </a:lnRef>
+          <a:fillRef idx="2">
+            <a:schemeClr val="accent4"/>
+          </a:fillRef>
+          <a:effectRef idx="1">
+            <a:schemeClr val="accent4"/>
+          </a:effectRef>
+          <a:fontRef idx="minor">
+            <a:schemeClr val="dk1"/>
+          </a:fontRef>
+        </p:style>
+        <p:txBody>
+          <a:bodyPr rtlCol="0" anchor="ctr"/>
+          <a:lstStyle/>
+          <a:p>
+            <a:pPr algn="ctr"/>
+            <a:r>
+              <a:rPr lang="en-US" sz="1200" dirty="0" smtClean="0"/>
+              <a:t>Very Much</a:t>
             </a:r>
             <a:endParaRPr lang="en-US" sz="1100" dirty="0"/>
           </a:p>
